--- a/ML_Models.pptx
+++ b/ML_Models.pptx
@@ -5,33 +5,32 @@
     <p:sldMasterId id="2147483648" r:id="rId1"/>
   </p:sldMasterIdLst>
   <p:notesMasterIdLst>
-    <p:notesMasterId r:id="rId23"/>
+    <p:notesMasterId r:id="rId22"/>
   </p:notesMasterIdLst>
   <p:handoutMasterIdLst>
-    <p:handoutMasterId r:id="rId24"/>
+    <p:handoutMasterId r:id="rId23"/>
   </p:handoutMasterIdLst>
   <p:sldIdLst>
     <p:sldId id="261" r:id="rId2"/>
-    <p:sldId id="262" r:id="rId3"/>
-    <p:sldId id="263" r:id="rId4"/>
-    <p:sldId id="260" r:id="rId5"/>
-    <p:sldId id="274" r:id="rId6"/>
-    <p:sldId id="275" r:id="rId7"/>
-    <p:sldId id="276" r:id="rId8"/>
-    <p:sldId id="277" r:id="rId9"/>
-    <p:sldId id="278" r:id="rId10"/>
-    <p:sldId id="279" r:id="rId11"/>
-    <p:sldId id="280" r:id="rId12"/>
-    <p:sldId id="265" r:id="rId13"/>
-    <p:sldId id="264" r:id="rId14"/>
-    <p:sldId id="268" r:id="rId15"/>
-    <p:sldId id="267" r:id="rId16"/>
-    <p:sldId id="266" r:id="rId17"/>
-    <p:sldId id="270" r:id="rId18"/>
-    <p:sldId id="269" r:id="rId19"/>
-    <p:sldId id="271" r:id="rId20"/>
-    <p:sldId id="272" r:id="rId21"/>
-    <p:sldId id="273" r:id="rId22"/>
+    <p:sldId id="263" r:id="rId3"/>
+    <p:sldId id="260" r:id="rId4"/>
+    <p:sldId id="274" r:id="rId5"/>
+    <p:sldId id="275" r:id="rId6"/>
+    <p:sldId id="276" r:id="rId7"/>
+    <p:sldId id="277" r:id="rId8"/>
+    <p:sldId id="278" r:id="rId9"/>
+    <p:sldId id="279" r:id="rId10"/>
+    <p:sldId id="280" r:id="rId11"/>
+    <p:sldId id="265" r:id="rId12"/>
+    <p:sldId id="264" r:id="rId13"/>
+    <p:sldId id="268" r:id="rId14"/>
+    <p:sldId id="267" r:id="rId15"/>
+    <p:sldId id="266" r:id="rId16"/>
+    <p:sldId id="270" r:id="rId17"/>
+    <p:sldId id="269" r:id="rId18"/>
+    <p:sldId id="271" r:id="rId19"/>
+    <p:sldId id="272" r:id="rId20"/>
+    <p:sldId id="273" r:id="rId21"/>
   </p:sldIdLst>
   <p:sldSz cx="9144000" cy="5143500" type="screen16x9"/>
   <p:notesSz cx="6858000" cy="9144000"/>
@@ -245,7 +244,7 @@
           <a:p>
             <a:fld id="{4AECD13F-9E93-4C57-A5BD-336347054114}" type="datetimeFigureOut">
               <a:rPr lang="en-US" smtClean="0"/>
-              <a:t>12/6/2020</a:t>
+              <a:t>8/9/2021</a:t>
             </a:fld>
             <a:endParaRPr lang="en-US"/>
           </a:p>
@@ -410,7 +409,7 @@
           <a:p>
             <a:fld id="{621D9606-6FF7-49AF-A412-4D6AB767DFC4}" type="datetimeFigureOut">
               <a:rPr lang="en-US" smtClean="0"/>
-              <a:t>12/6/2020</a:t>
+              <a:t>8/9/2021</a:t>
             </a:fld>
             <a:endParaRPr lang="en-US"/>
           </a:p>
@@ -808,7 +807,7 @@
             <a:fld id="{FFF30096-E2FA-4C53-8FFA-C198FACBBC31}" type="datetimeFigureOut">
               <a:rPr lang="en-US" smtClean="0"/>
               <a:pPr/>
-              <a:t>12/6/2020</a:t>
+              <a:t>8/9/2021</a:t>
             </a:fld>
             <a:endParaRPr lang="en-US" dirty="0"/>
           </a:p>
@@ -16815,7 +16814,7 @@
             <a:fld id="{FFF30096-E2FA-4C53-8FFA-C198FACBBC31}" type="datetimeFigureOut">
               <a:rPr lang="en-US" smtClean="0"/>
               <a:pPr/>
-              <a:t>12/6/2020</a:t>
+              <a:t>8/9/2021</a:t>
             </a:fld>
             <a:endParaRPr lang="en-US" dirty="0"/>
           </a:p>
@@ -33186,7 +33185,7 @@
             <a:fld id="{FFF30096-E2FA-4C53-8FFA-C198FACBBC31}" type="datetimeFigureOut">
               <a:rPr lang="en-US" smtClean="0"/>
               <a:pPr/>
-              <a:t>12/6/2020</a:t>
+              <a:t>8/9/2021</a:t>
             </a:fld>
             <a:endParaRPr lang="en-US" dirty="0"/>
           </a:p>
@@ -33455,7 +33454,7 @@
             <a:fld id="{FFF30096-E2FA-4C53-8FFA-C198FACBBC31}" type="datetimeFigureOut">
               <a:rPr lang="en-US" smtClean="0"/>
               <a:pPr/>
-              <a:t>12/6/2020</a:t>
+              <a:t>8/9/2021</a:t>
             </a:fld>
             <a:endParaRPr lang="en-US" dirty="0"/>
           </a:p>
@@ -35308,7 +35307,7 @@
             <a:fld id="{FFF30096-E2FA-4C53-8FFA-C198FACBBC31}" type="datetimeFigureOut">
               <a:rPr lang="en-US" smtClean="0"/>
               <a:pPr/>
-              <a:t>12/6/2020</a:t>
+              <a:t>8/9/2021</a:t>
             </a:fld>
             <a:endParaRPr lang="en-US" dirty="0"/>
           </a:p>
@@ -35695,7 +35694,7 @@
             <a:fld id="{FFF30096-E2FA-4C53-8FFA-C198FACBBC31}" type="datetimeFigureOut">
               <a:rPr lang="en-US" smtClean="0"/>
               <a:pPr/>
-              <a:t>12/6/2020</a:t>
+              <a:t>8/9/2021</a:t>
             </a:fld>
             <a:endParaRPr lang="en-US"/>
           </a:p>
@@ -36489,289 +36488,6 @@
           <p:cNvPr id="2" name="Title 1">
             <a:extLst>
               <a:ext uri="{FF2B5EF4-FFF2-40B4-BE49-F238E27FC236}">
-                <a16:creationId xmlns:a16="http://schemas.microsoft.com/office/drawing/2014/main" id="{5CCAED8C-E124-43AE-BC27-C154FE5BB151}"/>
-              </a:ext>
-            </a:extLst>
-          </p:cNvPr>
-          <p:cNvSpPr>
-            <a:spLocks noGrp="1"/>
-          </p:cNvSpPr>
-          <p:nvPr>
-            <p:ph type="title"/>
-          </p:nvPr>
-        </p:nvSpPr>
-        <p:spPr/>
-        <p:txBody>
-          <a:bodyPr/>
-          <a:lstStyle/>
-          <a:p>
-            <a:pPr algn="l"/>
-            <a:r>
-              <a:rPr lang="en-IN" dirty="0">
-                <a:latin typeface="Chalkboard SE" panose="03050602040202020205" pitchFamily="66" charset="0"/>
-              </a:rPr>
-              <a:t>Results:</a:t>
-            </a:r>
-          </a:p>
-        </p:txBody>
-      </p:sp>
-      <p:sp>
-        <p:nvSpPr>
-          <p:cNvPr id="3" name="Text Placeholder 2">
-            <a:extLst>
-              <a:ext uri="{FF2B5EF4-FFF2-40B4-BE49-F238E27FC236}">
-                <a16:creationId xmlns:a16="http://schemas.microsoft.com/office/drawing/2014/main" id="{65F22EBF-BDEF-4381-9775-21BCC0AC552D}"/>
-              </a:ext>
-            </a:extLst>
-          </p:cNvPr>
-          <p:cNvSpPr>
-            <a:spLocks noGrp="1"/>
-          </p:cNvSpPr>
-          <p:nvPr>
-            <p:ph type="body" sz="quarter" idx="35"/>
-          </p:nvPr>
-        </p:nvSpPr>
-        <p:spPr>
-          <a:xfrm>
-            <a:off x="467544" y="1063228"/>
-            <a:ext cx="8208912" cy="3338911"/>
-          </a:xfrm>
-        </p:spPr>
-        <p:txBody>
-          <a:bodyPr/>
-          <a:lstStyle/>
-          <a:p>
-            <a:pPr algn="l"/>
-            <a:r>
-              <a:rPr lang="en-IN" sz="2000" dirty="0">
-                <a:solidFill>
-                  <a:schemeClr val="tx1">
-                    <a:lumMod val="50000"/>
-                  </a:schemeClr>
-                </a:solidFill>
-                <a:latin typeface="Chalkboard SE" panose="03050602040202020205" pitchFamily="66" charset="0"/>
-              </a:rPr>
-              <a:t>Input       -   </a:t>
-            </a:r>
-            <a:r>
-              <a:rPr lang="en-IN" sz="1800" dirty="0">
-                <a:solidFill>
-                  <a:schemeClr val="tx1">
-                    <a:lumMod val="50000"/>
-                  </a:schemeClr>
-                </a:solidFill>
-                <a:latin typeface="Chalkboard SE" panose="03050602040202020205" pitchFamily="66" charset="0"/>
-              </a:rPr>
-              <a:t>Breast-cancer-Wisconsin</a:t>
-            </a:r>
-          </a:p>
-          <a:p>
-            <a:pPr algn="l"/>
-            <a:r>
-              <a:rPr lang="en-IN" sz="1800" dirty="0">
-                <a:solidFill>
-                  <a:schemeClr val="tx1">
-                    <a:lumMod val="50000"/>
-                  </a:schemeClr>
-                </a:solidFill>
-                <a:latin typeface="Chalkboard SE" panose="03050602040202020205" pitchFamily="66" charset="0"/>
-              </a:rPr>
-              <a:t>Split ratio   -   0.67 (67% of the data is for training the ML model)</a:t>
-            </a:r>
-          </a:p>
-          <a:p>
-            <a:pPr algn="l"/>
-            <a:endParaRPr lang="en-IN" sz="1800" dirty="0">
-              <a:solidFill>
-                <a:schemeClr val="tx1">
-                  <a:lumMod val="50000"/>
-                </a:schemeClr>
-              </a:solidFill>
-              <a:latin typeface="Chalkboard SE" panose="03050602040202020205" pitchFamily="66" charset="0"/>
-            </a:endParaRPr>
-          </a:p>
-          <a:p>
-            <a:pPr algn="l"/>
-            <a:r>
-              <a:rPr lang="en-IN" sz="1800" dirty="0">
-                <a:solidFill>
-                  <a:schemeClr val="tx1">
-                    <a:lumMod val="50000"/>
-                  </a:schemeClr>
-                </a:solidFill>
-                <a:latin typeface="Chalkboard SE" panose="03050602040202020205" pitchFamily="66" charset="0"/>
-              </a:rPr>
-              <a:t>Output       </a:t>
-            </a:r>
-            <a:r>
-              <a:rPr lang="en-IN" sz="1800" dirty="0">
-                <a:latin typeface="Chalkboard SE" panose="03050602040202020205" pitchFamily="66" charset="0"/>
-              </a:rPr>
-              <a:t>-  </a:t>
-            </a:r>
-            <a:endParaRPr lang="en-IN" sz="2000" dirty="0">
-              <a:latin typeface="Chalkboard SE" panose="03050602040202020205" pitchFamily="66" charset="0"/>
-            </a:endParaRPr>
-          </a:p>
-        </p:txBody>
-      </p:sp>
-      <p:sp>
-        <p:nvSpPr>
-          <p:cNvPr id="4" name="TextBox 3">
-            <a:extLst>
-              <a:ext uri="{FF2B5EF4-FFF2-40B4-BE49-F238E27FC236}">
-                <a16:creationId xmlns:a16="http://schemas.microsoft.com/office/drawing/2014/main" id="{D3289948-4F43-4DA8-AB24-FE62F395B9ED}"/>
-              </a:ext>
-            </a:extLst>
-          </p:cNvPr>
-          <p:cNvSpPr txBox="1"/>
-          <p:nvPr/>
-        </p:nvSpPr>
-        <p:spPr>
-          <a:xfrm>
-            <a:off x="8820472" y="2571750"/>
-            <a:ext cx="144016" cy="369332"/>
-          </a:xfrm>
-          <a:prstGeom prst="rect">
-            <a:avLst/>
-          </a:prstGeom>
-          <a:solidFill>
-            <a:schemeClr val="bg1"/>
-          </a:solidFill>
-        </p:spPr>
-        <p:txBody>
-          <a:bodyPr wrap="square" rtlCol="0">
-            <a:spAutoFit/>
-          </a:bodyPr>
-          <a:lstStyle/>
-          <a:p>
-            <a:endParaRPr lang="en-IN" dirty="0"/>
-          </a:p>
-        </p:txBody>
-      </p:sp>
-      <p:pic>
-        <p:nvPicPr>
-          <p:cNvPr id="12" name="Picture 11">
-            <a:extLst>
-              <a:ext uri="{FF2B5EF4-FFF2-40B4-BE49-F238E27FC236}">
-                <a16:creationId xmlns:a16="http://schemas.microsoft.com/office/drawing/2014/main" id="{DF1F6CB3-D917-41C7-B25F-9DDF6D543D84}"/>
-              </a:ext>
-            </a:extLst>
-          </p:cNvPr>
-          <p:cNvPicPr>
-            <a:picLocks noChangeAspect="1"/>
-          </p:cNvPicPr>
-          <p:nvPr/>
-        </p:nvPicPr>
-        <p:blipFill>
-          <a:blip r:embed="rId2">
-            <a:extLst>
-              <a:ext uri="{BEBA8EAE-BF5A-486C-A8C5-ECC9F3942E4B}">
-                <a14:imgProps xmlns:a14="http://schemas.microsoft.com/office/drawing/2010/main">
-                  <a14:imgLayer r:embed="rId3">
-                    <a14:imgEffect>
-                      <a14:artisticPhotocopy/>
-                    </a14:imgEffect>
-                  </a14:imgLayer>
-                </a14:imgProps>
-              </a:ext>
-            </a:extLst>
-          </a:blip>
-          <a:stretch>
-            <a:fillRect/>
-          </a:stretch>
-        </p:blipFill>
-        <p:spPr>
-          <a:xfrm>
-            <a:off x="2267743" y="2228450"/>
-            <a:ext cx="6322243" cy="2143500"/>
-          </a:xfrm>
-          <a:prstGeom prst="rect">
-            <a:avLst/>
-          </a:prstGeom>
-        </p:spPr>
-      </p:pic>
-      <p:sp>
-        <p:nvSpPr>
-          <p:cNvPr id="10" name="TextBox 9">
-            <a:extLst>
-              <a:ext uri="{FF2B5EF4-FFF2-40B4-BE49-F238E27FC236}">
-                <a16:creationId xmlns:a16="http://schemas.microsoft.com/office/drawing/2014/main" id="{1D781DF3-8F86-4A01-8135-AFDA72F33805}"/>
-              </a:ext>
-            </a:extLst>
-          </p:cNvPr>
-          <p:cNvSpPr txBox="1"/>
-          <p:nvPr/>
-        </p:nvSpPr>
-        <p:spPr>
-          <a:xfrm>
-            <a:off x="8820472" y="2496135"/>
-            <a:ext cx="144016" cy="369332"/>
-          </a:xfrm>
-          <a:prstGeom prst="rect">
-            <a:avLst/>
-          </a:prstGeom>
-          <a:solidFill>
-            <a:schemeClr val="bg1"/>
-          </a:solidFill>
-        </p:spPr>
-        <p:txBody>
-          <a:bodyPr wrap="square" rtlCol="0">
-            <a:spAutoFit/>
-          </a:bodyPr>
-          <a:lstStyle/>
-          <a:p>
-            <a:endParaRPr lang="en-IN" dirty="0"/>
-          </a:p>
-        </p:txBody>
-      </p:sp>
-    </p:spTree>
-    <p:extLst>
-      <p:ext uri="{BB962C8B-B14F-4D97-AF65-F5344CB8AC3E}">
-        <p14:creationId xmlns:p14="http://schemas.microsoft.com/office/powerpoint/2010/main" val="3524020149"/>
-      </p:ext>
-    </p:extLst>
-  </p:cSld>
-  <p:clrMapOvr>
-    <a:masterClrMapping/>
-  </p:clrMapOvr>
-  <mc:AlternateContent xmlns:mc="http://schemas.openxmlformats.org/markup-compatibility/2006" xmlns:p15="http://schemas.microsoft.com/office/powerpoint/2012/main">
-    <mc:Choice Requires="p15">
-      <p:transition xmlns:p14="http://schemas.microsoft.com/office/powerpoint/2010/main" spd="slow" p14:dur="1250">
-        <p15:prstTrans prst="pageCurlDouble"/>
-      </p:transition>
-    </mc:Choice>
-    <mc:Fallback xmlns="">
-      <p:transition spd="slow">
-        <p:fade/>
-      </p:transition>
-    </mc:Fallback>
-  </mc:AlternateContent>
-</p:sld>
-</file>
-
-<file path=ppt/slides/slide11.xml><?xml version="1.0" encoding="utf-8"?>
-<p:sld xmlns:a="http://schemas.openxmlformats.org/drawingml/2006/main" xmlns:r="http://schemas.openxmlformats.org/officeDocument/2006/relationships" xmlns:p="http://schemas.openxmlformats.org/presentationml/2006/main">
-  <p:cSld>
-    <p:spTree>
-      <p:nvGrpSpPr>
-        <p:cNvPr id="1" name=""/>
-        <p:cNvGrpSpPr/>
-        <p:nvPr/>
-      </p:nvGrpSpPr>
-      <p:grpSpPr>
-        <a:xfrm>
-          <a:off x="0" y="0"/>
-          <a:ext cx="0" cy="0"/>
-          <a:chOff x="0" y="0"/>
-          <a:chExt cx="0" cy="0"/>
-        </a:xfrm>
-      </p:grpSpPr>
-      <p:sp>
-        <p:nvSpPr>
-          <p:cNvPr id="2" name="Title 1">
-            <a:extLst>
-              <a:ext uri="{FF2B5EF4-FFF2-40B4-BE49-F238E27FC236}">
                 <a16:creationId xmlns:a16="http://schemas.microsoft.com/office/drawing/2014/main" id="{A5F142EA-CC0E-4D77-A898-DA3F5775690E}"/>
               </a:ext>
             </a:extLst>
@@ -37040,7 +36756,7 @@
 </p:sld>
 </file>
 
-<file path=ppt/slides/slide12.xml><?xml version="1.0" encoding="utf-8"?>
+<file path=ppt/slides/slide11.xml><?xml version="1.0" encoding="utf-8"?>
 <p:sld xmlns:a="http://schemas.openxmlformats.org/drawingml/2006/main" xmlns:r="http://schemas.openxmlformats.org/officeDocument/2006/relationships" xmlns:p="http://schemas.openxmlformats.org/presentationml/2006/main">
   <p:cSld>
     <p:spTree>
@@ -37117,7 +36833,7 @@
 </p:sld>
 </file>
 
-<file path=ppt/slides/slide13.xml><?xml version="1.0" encoding="utf-8"?>
+<file path=ppt/slides/slide12.xml><?xml version="1.0" encoding="utf-8"?>
 <p:sld xmlns:a="http://schemas.openxmlformats.org/drawingml/2006/main" xmlns:r="http://schemas.openxmlformats.org/officeDocument/2006/relationships" xmlns:p="http://schemas.openxmlformats.org/presentationml/2006/main">
   <p:cSld>
     <p:spTree>
@@ -37894,7 +37610,7 @@
 </p:sld>
 </file>
 
-<file path=ppt/slides/slide14.xml><?xml version="1.0" encoding="utf-8"?>
+<file path=ppt/slides/slide13.xml><?xml version="1.0" encoding="utf-8"?>
 <p:sld xmlns:a="http://schemas.openxmlformats.org/drawingml/2006/main" xmlns:r="http://schemas.openxmlformats.org/officeDocument/2006/relationships" xmlns:p="http://schemas.openxmlformats.org/presentationml/2006/main">
   <p:cSld>
     <p:spTree>
@@ -38572,7 +38288,7 @@
 </p:sld>
 </file>
 
-<file path=ppt/slides/slide15.xml><?xml version="1.0" encoding="utf-8"?>
+<file path=ppt/slides/slide14.xml><?xml version="1.0" encoding="utf-8"?>
 <p:sld xmlns:a="http://schemas.openxmlformats.org/drawingml/2006/main" xmlns:r="http://schemas.openxmlformats.org/officeDocument/2006/relationships" xmlns:p="http://schemas.openxmlformats.org/presentationml/2006/main">
   <p:cSld>
     <p:spTree>
@@ -38785,7 +38501,7 @@
 </p:sld>
 </file>
 
-<file path=ppt/slides/slide16.xml><?xml version="1.0" encoding="utf-8"?>
+<file path=ppt/slides/slide15.xml><?xml version="1.0" encoding="utf-8"?>
 <p:sld xmlns:a="http://schemas.openxmlformats.org/drawingml/2006/main" xmlns:r="http://schemas.openxmlformats.org/officeDocument/2006/relationships" xmlns:p="http://schemas.openxmlformats.org/presentationml/2006/main">
   <p:cSld>
     <p:spTree>
@@ -39242,7 +38958,7 @@
 </p:sld>
 </file>
 
-<file path=ppt/slides/slide17.xml><?xml version="1.0" encoding="utf-8"?>
+<file path=ppt/slides/slide16.xml><?xml version="1.0" encoding="utf-8"?>
 <p:sld xmlns:a="http://schemas.openxmlformats.org/drawingml/2006/main" xmlns:r="http://schemas.openxmlformats.org/officeDocument/2006/relationships" xmlns:p="http://schemas.openxmlformats.org/presentationml/2006/main">
   <p:cSld>
     <p:spTree>
@@ -39743,7 +39459,7 @@
 </p:sld>
 </file>
 
-<file path=ppt/slides/slide18.xml><?xml version="1.0" encoding="utf-8"?>
+<file path=ppt/slides/slide17.xml><?xml version="1.0" encoding="utf-8"?>
 <p:sld xmlns:a="http://schemas.openxmlformats.org/drawingml/2006/main" xmlns:r="http://schemas.openxmlformats.org/officeDocument/2006/relationships" xmlns:p="http://schemas.openxmlformats.org/presentationml/2006/main">
   <p:cSld>
     <p:spTree>
@@ -39911,7 +39627,7 @@
 </p:sld>
 </file>
 
-<file path=ppt/slides/slide19.xml><?xml version="1.0" encoding="utf-8"?>
+<file path=ppt/slides/slide18.xml><?xml version="1.0" encoding="utf-8"?>
 <p:sld xmlns:a="http://schemas.openxmlformats.org/drawingml/2006/main" xmlns:r="http://schemas.openxmlformats.org/officeDocument/2006/relationships" xmlns:p="http://schemas.openxmlformats.org/presentationml/2006/main">
   <p:cSld>
     <p:spTree>
@@ -40163,183 +39879,7 @@
 </p:sld>
 </file>
 
-<file path=ppt/slides/slide2.xml><?xml version="1.0" encoding="utf-8"?>
-<p:sld xmlns:a="http://schemas.openxmlformats.org/drawingml/2006/main" xmlns:r="http://schemas.openxmlformats.org/officeDocument/2006/relationships" xmlns:p="http://schemas.openxmlformats.org/presentationml/2006/main">
-  <p:cSld>
-    <p:spTree>
-      <p:nvGrpSpPr>
-        <p:cNvPr id="1" name=""/>
-        <p:cNvGrpSpPr/>
-        <p:nvPr/>
-      </p:nvGrpSpPr>
-      <p:grpSpPr>
-        <a:xfrm>
-          <a:off x="0" y="0"/>
-          <a:ext cx="0" cy="0"/>
-          <a:chOff x="0" y="0"/>
-          <a:chExt cx="0" cy="0"/>
-        </a:xfrm>
-      </p:grpSpPr>
-      <p:sp>
-        <p:nvSpPr>
-          <p:cNvPr id="2" name="Title 1">
-            <a:extLst>
-              <a:ext uri="{FF2B5EF4-FFF2-40B4-BE49-F238E27FC236}">
-                <a16:creationId xmlns:a16="http://schemas.microsoft.com/office/drawing/2014/main" id="{B3A9F4C3-49E7-4E5C-AD53-9351775780DB}"/>
-              </a:ext>
-            </a:extLst>
-          </p:cNvPr>
-          <p:cNvSpPr>
-            <a:spLocks noGrp="1"/>
-          </p:cNvSpPr>
-          <p:nvPr>
-            <p:ph type="title"/>
-          </p:nvPr>
-        </p:nvSpPr>
-        <p:spPr/>
-        <p:txBody>
-          <a:bodyPr/>
-          <a:lstStyle/>
-          <a:p>
-            <a:r>
-              <a:rPr lang="en-IN" dirty="0">
-                <a:latin typeface="Chalkboard SE" panose="03050602040202020205" pitchFamily="66" charset="0"/>
-              </a:rPr>
-              <a:t>Team Members</a:t>
-            </a:r>
-          </a:p>
-        </p:txBody>
-      </p:sp>
-      <p:sp>
-        <p:nvSpPr>
-          <p:cNvPr id="4" name="Text Placeholder 3">
-            <a:extLst>
-              <a:ext uri="{FF2B5EF4-FFF2-40B4-BE49-F238E27FC236}">
-                <a16:creationId xmlns:a16="http://schemas.microsoft.com/office/drawing/2014/main" id="{678010F8-D1E5-434E-AD49-F7F88FB90CB9}"/>
-              </a:ext>
-            </a:extLst>
-          </p:cNvPr>
-          <p:cNvSpPr>
-            <a:spLocks noGrp="1"/>
-          </p:cNvSpPr>
-          <p:nvPr>
-            <p:ph type="body" sz="quarter" idx="40"/>
-          </p:nvPr>
-        </p:nvSpPr>
-        <p:spPr>
-          <a:xfrm>
-            <a:off x="3851920" y="1635646"/>
-            <a:ext cx="5112568" cy="2826944"/>
-          </a:xfrm>
-        </p:spPr>
-        <p:txBody>
-          <a:bodyPr/>
-          <a:lstStyle/>
-          <a:p>
-            <a:r>
-              <a:rPr lang="en-IN" sz="1800" dirty="0">
-                <a:latin typeface="Chalkboard SE" panose="03050602040202020205" pitchFamily="66" charset="0"/>
-              </a:rPr>
-              <a:t>     </a:t>
-            </a:r>
-            <a:r>
-              <a:rPr lang="en-IN" sz="1800" dirty="0">
-                <a:solidFill>
-                  <a:schemeClr val="tx1">
-                    <a:lumMod val="50000"/>
-                  </a:schemeClr>
-                </a:solidFill>
-                <a:latin typeface="Chalkboard SE" panose="03050602040202020205" pitchFamily="66" charset="0"/>
-              </a:rPr>
-              <a:t>Name                            Roll no</a:t>
-            </a:r>
-          </a:p>
-          <a:p>
-            <a:r>
-              <a:rPr lang="en-IN" sz="1800" dirty="0">
-                <a:solidFill>
-                  <a:schemeClr val="tx1">
-                    <a:lumMod val="50000"/>
-                  </a:schemeClr>
-                </a:solidFill>
-                <a:latin typeface="Chalkboard SE" panose="03050602040202020205" pitchFamily="66" charset="0"/>
-              </a:rPr>
-              <a:t>K V Sai Krishna 		- CB.EN.U4AIE19035</a:t>
-            </a:r>
-          </a:p>
-          <a:p>
-            <a:r>
-              <a:rPr lang="en-IN" sz="1800" dirty="0">
-                <a:solidFill>
-                  <a:schemeClr val="tx1">
-                    <a:lumMod val="50000"/>
-                  </a:schemeClr>
-                </a:solidFill>
-                <a:latin typeface="Chalkboard SE" panose="03050602040202020205" pitchFamily="66" charset="0"/>
-              </a:rPr>
-              <a:t>P Sri Vaishno		- CB.EN.U4AIE19048</a:t>
-            </a:r>
-          </a:p>
-          <a:p>
-            <a:r>
-              <a:rPr lang="en-IN" sz="1800" dirty="0">
-                <a:solidFill>
-                  <a:schemeClr val="tx1">
-                    <a:lumMod val="50000"/>
-                  </a:schemeClr>
-                </a:solidFill>
-                <a:latin typeface="Chalkboard SE" panose="03050602040202020205" pitchFamily="66" charset="0"/>
-              </a:rPr>
-              <a:t>P Shankar		- CB.EN.U4AIE19049</a:t>
-            </a:r>
-          </a:p>
-          <a:p>
-            <a:r>
-              <a:rPr lang="en-IN" sz="1800" dirty="0">
-                <a:solidFill>
-                  <a:schemeClr val="tx1">
-                    <a:lumMod val="50000"/>
-                  </a:schemeClr>
-                </a:solidFill>
-                <a:latin typeface="Chalkboard SE" panose="03050602040202020205" pitchFamily="66" charset="0"/>
-              </a:rPr>
-              <a:t>B Manjunath		- CB.EN.U4AIE19015</a:t>
-            </a:r>
-            <a:r>
-              <a:rPr lang="en-IN" sz="1800" dirty="0">
-                <a:latin typeface="Chalkboard SE" panose="03050602040202020205" pitchFamily="66" charset="0"/>
-              </a:rPr>
-              <a:t>	</a:t>
-            </a:r>
-          </a:p>
-        </p:txBody>
-      </p:sp>
-    </p:spTree>
-    <p:extLst>
-      <p:ext uri="{BB962C8B-B14F-4D97-AF65-F5344CB8AC3E}">
-        <p14:creationId xmlns:p14="http://schemas.microsoft.com/office/powerpoint/2010/main" val="106937243"/>
-      </p:ext>
-    </p:extLst>
-  </p:cSld>
-  <p:clrMapOvr>
-    <a:masterClrMapping/>
-  </p:clrMapOvr>
-  <mc:AlternateContent xmlns:mc="http://schemas.openxmlformats.org/markup-compatibility/2006" xmlns:p15="http://schemas.microsoft.com/office/powerpoint/2012/main">
-    <mc:Choice Requires="p15">
-      <p:transition xmlns:p14="http://schemas.microsoft.com/office/powerpoint/2010/main" spd="slow" p14:dur="1250">
-        <p15:prstTrans prst="pageCurlDouble"/>
-      </p:transition>
-    </mc:Choice>
-    <mc:Fallback xmlns="">
-      <p:transition spd="slow">
-        <p:fade/>
-      </p:transition>
-    </mc:Fallback>
-  </mc:AlternateContent>
-</p:sld>
-</file>
-
-<file path=ppt/slides/slide20.xml><?xml version="1.0" encoding="utf-8"?>
+<file path=ppt/slides/slide19.xml><?xml version="1.0" encoding="utf-8"?>
 <p:sld xmlns:a="http://schemas.openxmlformats.org/drawingml/2006/main" xmlns:r="http://schemas.openxmlformats.org/officeDocument/2006/relationships" xmlns:p="http://schemas.openxmlformats.org/presentationml/2006/main">
   <p:cSld>
     <p:spTree>
@@ -40660,92 +40200,7 @@
 </p:sld>
 </file>
 
-<file path=ppt/slides/slide21.xml><?xml version="1.0" encoding="utf-8"?>
-<p:sld xmlns:a="http://schemas.openxmlformats.org/drawingml/2006/main" xmlns:r="http://schemas.openxmlformats.org/officeDocument/2006/relationships" xmlns:p="http://schemas.openxmlformats.org/presentationml/2006/main">
-  <p:cSld>
-    <p:spTree>
-      <p:nvGrpSpPr>
-        <p:cNvPr id="1" name=""/>
-        <p:cNvGrpSpPr/>
-        <p:nvPr/>
-      </p:nvGrpSpPr>
-      <p:grpSpPr>
-        <a:xfrm>
-          <a:off x="0" y="0"/>
-          <a:ext cx="0" cy="0"/>
-          <a:chOff x="0" y="0"/>
-          <a:chExt cx="0" cy="0"/>
-        </a:xfrm>
-      </p:grpSpPr>
-      <p:sp>
-        <p:nvSpPr>
-          <p:cNvPr id="3" name="Text Placeholder 2">
-            <a:extLst>
-              <a:ext uri="{FF2B5EF4-FFF2-40B4-BE49-F238E27FC236}">
-                <a16:creationId xmlns:a16="http://schemas.microsoft.com/office/drawing/2014/main" id="{B60D897F-FF82-44AC-8953-2407F33623D0}"/>
-              </a:ext>
-            </a:extLst>
-          </p:cNvPr>
-          <p:cNvSpPr>
-            <a:spLocks noGrp="1"/>
-          </p:cNvSpPr>
-          <p:nvPr>
-            <p:ph type="body" sz="quarter" idx="39"/>
-          </p:nvPr>
-        </p:nvSpPr>
-        <p:spPr>
-          <a:xfrm>
-            <a:off x="4355976" y="2283718"/>
-            <a:ext cx="3456384" cy="1224135"/>
-          </a:xfrm>
-        </p:spPr>
-        <p:txBody>
-          <a:bodyPr/>
-          <a:lstStyle/>
-          <a:p>
-            <a:r>
-              <a:rPr lang="en-IN" sz="4400" dirty="0">
-                <a:latin typeface="Chalkboard SE" panose="03050602040202020205" pitchFamily="66" charset="0"/>
-              </a:rPr>
-              <a:t>THANK YOU</a:t>
-            </a:r>
-          </a:p>
-          <a:p>
-            <a:r>
-              <a:rPr lang="en-IN" sz="2400" dirty="0">
-                <a:latin typeface="Chalkboard SE" panose="03050602040202020205" pitchFamily="66" charset="0"/>
-              </a:rPr>
-              <a:t> and have a nice day </a:t>
-            </a:r>
-          </a:p>
-        </p:txBody>
-      </p:sp>
-    </p:spTree>
-    <p:extLst>
-      <p:ext uri="{BB962C8B-B14F-4D97-AF65-F5344CB8AC3E}">
-        <p14:creationId xmlns:p14="http://schemas.microsoft.com/office/powerpoint/2010/main" val="265882468"/>
-      </p:ext>
-    </p:extLst>
-  </p:cSld>
-  <p:clrMapOvr>
-    <a:masterClrMapping/>
-  </p:clrMapOvr>
-  <mc:AlternateContent xmlns:mc="http://schemas.openxmlformats.org/markup-compatibility/2006" xmlns:p15="http://schemas.microsoft.com/office/powerpoint/2012/main">
-    <mc:Choice Requires="p15">
-      <p:transition xmlns:p14="http://schemas.microsoft.com/office/powerpoint/2010/main" spd="slow" p14:dur="1250">
-        <p15:prstTrans prst="pageCurlDouble"/>
-      </p:transition>
-    </mc:Choice>
-    <mc:Fallback xmlns="">
-      <p:transition spd="slow">
-        <p:fade/>
-      </p:transition>
-    </mc:Fallback>
-  </mc:AlternateContent>
-</p:sld>
-</file>
-
-<file path=ppt/slides/slide3.xml><?xml version="1.0" encoding="utf-8"?>
+<file path=ppt/slides/slide2.xml><?xml version="1.0" encoding="utf-8"?>
 <p:sld xmlns:a="http://schemas.openxmlformats.org/drawingml/2006/main" xmlns:r="http://schemas.openxmlformats.org/officeDocument/2006/relationships" xmlns:p="http://schemas.openxmlformats.org/presentationml/2006/main">
   <p:cSld>
     <p:spTree>
@@ -40936,7 +40391,92 @@
 </p:sld>
 </file>
 
-<file path=ppt/slides/slide4.xml><?xml version="1.0" encoding="utf-8"?>
+<file path=ppt/slides/slide20.xml><?xml version="1.0" encoding="utf-8"?>
+<p:sld xmlns:a="http://schemas.openxmlformats.org/drawingml/2006/main" xmlns:r="http://schemas.openxmlformats.org/officeDocument/2006/relationships" xmlns:p="http://schemas.openxmlformats.org/presentationml/2006/main">
+  <p:cSld>
+    <p:spTree>
+      <p:nvGrpSpPr>
+        <p:cNvPr id="1" name=""/>
+        <p:cNvGrpSpPr/>
+        <p:nvPr/>
+      </p:nvGrpSpPr>
+      <p:grpSpPr>
+        <a:xfrm>
+          <a:off x="0" y="0"/>
+          <a:ext cx="0" cy="0"/>
+          <a:chOff x="0" y="0"/>
+          <a:chExt cx="0" cy="0"/>
+        </a:xfrm>
+      </p:grpSpPr>
+      <p:sp>
+        <p:nvSpPr>
+          <p:cNvPr id="3" name="Text Placeholder 2">
+            <a:extLst>
+              <a:ext uri="{FF2B5EF4-FFF2-40B4-BE49-F238E27FC236}">
+                <a16:creationId xmlns:a16="http://schemas.microsoft.com/office/drawing/2014/main" id="{B60D897F-FF82-44AC-8953-2407F33623D0}"/>
+              </a:ext>
+            </a:extLst>
+          </p:cNvPr>
+          <p:cNvSpPr>
+            <a:spLocks noGrp="1"/>
+          </p:cNvSpPr>
+          <p:nvPr>
+            <p:ph type="body" sz="quarter" idx="39"/>
+          </p:nvPr>
+        </p:nvSpPr>
+        <p:spPr>
+          <a:xfrm>
+            <a:off x="4355976" y="2283718"/>
+            <a:ext cx="3456384" cy="1224135"/>
+          </a:xfrm>
+        </p:spPr>
+        <p:txBody>
+          <a:bodyPr/>
+          <a:lstStyle/>
+          <a:p>
+            <a:r>
+              <a:rPr lang="en-IN" sz="4400" dirty="0">
+                <a:latin typeface="Chalkboard SE" panose="03050602040202020205" pitchFamily="66" charset="0"/>
+              </a:rPr>
+              <a:t>THANK YOU</a:t>
+            </a:r>
+          </a:p>
+          <a:p>
+            <a:r>
+              <a:rPr lang="en-IN" sz="2400" dirty="0">
+                <a:latin typeface="Chalkboard SE" panose="03050602040202020205" pitchFamily="66" charset="0"/>
+              </a:rPr>
+              <a:t> and have a nice day </a:t>
+            </a:r>
+          </a:p>
+        </p:txBody>
+      </p:sp>
+    </p:spTree>
+    <p:extLst>
+      <p:ext uri="{BB962C8B-B14F-4D97-AF65-F5344CB8AC3E}">
+        <p14:creationId xmlns:p14="http://schemas.microsoft.com/office/powerpoint/2010/main" val="265882468"/>
+      </p:ext>
+    </p:extLst>
+  </p:cSld>
+  <p:clrMapOvr>
+    <a:masterClrMapping/>
+  </p:clrMapOvr>
+  <mc:AlternateContent xmlns:mc="http://schemas.openxmlformats.org/markup-compatibility/2006" xmlns:p15="http://schemas.microsoft.com/office/powerpoint/2012/main">
+    <mc:Choice Requires="p15">
+      <p:transition xmlns:p14="http://schemas.microsoft.com/office/powerpoint/2010/main" spd="slow" p14:dur="1250">
+        <p15:prstTrans prst="pageCurlDouble"/>
+      </p:transition>
+    </mc:Choice>
+    <mc:Fallback xmlns="">
+      <p:transition spd="slow">
+        <p:fade/>
+      </p:transition>
+    </mc:Fallback>
+  </mc:AlternateContent>
+</p:sld>
+</file>
+
+<file path=ppt/slides/slide3.xml><?xml version="1.0" encoding="utf-8"?>
 <p:sld xmlns:a="http://schemas.openxmlformats.org/drawingml/2006/main" xmlns:r="http://schemas.openxmlformats.org/officeDocument/2006/relationships" xmlns:p="http://schemas.openxmlformats.org/presentationml/2006/main">
   <p:cSld>
     <p:spTree>
@@ -41241,7 +40781,7 @@
 </p:sld>
 </file>
 
-<file path=ppt/slides/slide5.xml><?xml version="1.0" encoding="utf-8"?>
+<file path=ppt/slides/slide4.xml><?xml version="1.0" encoding="utf-8"?>
 <p:sld xmlns:a="http://schemas.openxmlformats.org/drawingml/2006/main" xmlns:r="http://schemas.openxmlformats.org/officeDocument/2006/relationships" xmlns:p="http://schemas.openxmlformats.org/presentationml/2006/main">
   <p:cSld>
     <p:spTree>
@@ -41318,7 +40858,7 @@
 </p:sld>
 </file>
 
-<file path=ppt/slides/slide6.xml><?xml version="1.0" encoding="utf-8"?>
+<file path=ppt/slides/slide5.xml><?xml version="1.0" encoding="utf-8"?>
 <p:sld xmlns:a="http://schemas.openxmlformats.org/drawingml/2006/main" xmlns:r="http://schemas.openxmlformats.org/officeDocument/2006/relationships" xmlns:p="http://schemas.openxmlformats.org/presentationml/2006/main">
   <p:cSld>
     <p:spTree>
@@ -41534,7 +41074,7 @@
 </p:sld>
 </file>
 
-<file path=ppt/slides/slide7.xml><?xml version="1.0" encoding="utf-8"?>
+<file path=ppt/slides/slide6.xml><?xml version="1.0" encoding="utf-8"?>
 <p:sld xmlns:a="http://schemas.openxmlformats.org/drawingml/2006/main" xmlns:r="http://schemas.openxmlformats.org/officeDocument/2006/relationships" xmlns:p="http://schemas.openxmlformats.org/presentationml/2006/main">
   <p:cSld>
     <p:spTree>
@@ -41994,7 +41534,7 @@
 </p:sld>
 </file>
 
-<file path=ppt/slides/slide8.xml><?xml version="1.0" encoding="utf-8"?>
+<file path=ppt/slides/slide7.xml><?xml version="1.0" encoding="utf-8"?>
 <p:sld xmlns:a="http://schemas.openxmlformats.org/drawingml/2006/main" xmlns:r="http://schemas.openxmlformats.org/officeDocument/2006/relationships" xmlns:p="http://schemas.openxmlformats.org/presentationml/2006/main">
   <p:cSld>
     <p:spTree>
@@ -42349,7 +41889,7 @@
 </p:sld>
 </file>
 
-<file path=ppt/slides/slide9.xml><?xml version="1.0" encoding="utf-8"?>
+<file path=ppt/slides/slide8.xml><?xml version="1.0" encoding="utf-8"?>
 <p:sld xmlns:a="http://schemas.openxmlformats.org/drawingml/2006/main" xmlns:r="http://schemas.openxmlformats.org/officeDocument/2006/relationships" xmlns:p="http://schemas.openxmlformats.org/presentationml/2006/main">
   <p:cSld>
     <p:spTree>
@@ -42545,6 +42085,289 @@
     <p:extLst>
       <p:ext uri="{BB962C8B-B14F-4D97-AF65-F5344CB8AC3E}">
         <p14:creationId xmlns:p14="http://schemas.microsoft.com/office/powerpoint/2010/main" val="3995571816"/>
+      </p:ext>
+    </p:extLst>
+  </p:cSld>
+  <p:clrMapOvr>
+    <a:masterClrMapping/>
+  </p:clrMapOvr>
+  <mc:AlternateContent xmlns:mc="http://schemas.openxmlformats.org/markup-compatibility/2006" xmlns:p15="http://schemas.microsoft.com/office/powerpoint/2012/main">
+    <mc:Choice Requires="p15">
+      <p:transition xmlns:p14="http://schemas.microsoft.com/office/powerpoint/2010/main" spd="slow" p14:dur="1250">
+        <p15:prstTrans prst="pageCurlDouble"/>
+      </p:transition>
+    </mc:Choice>
+    <mc:Fallback xmlns="">
+      <p:transition spd="slow">
+        <p:fade/>
+      </p:transition>
+    </mc:Fallback>
+  </mc:AlternateContent>
+</p:sld>
+</file>
+
+<file path=ppt/slides/slide9.xml><?xml version="1.0" encoding="utf-8"?>
+<p:sld xmlns:a="http://schemas.openxmlformats.org/drawingml/2006/main" xmlns:r="http://schemas.openxmlformats.org/officeDocument/2006/relationships" xmlns:p="http://schemas.openxmlformats.org/presentationml/2006/main">
+  <p:cSld>
+    <p:spTree>
+      <p:nvGrpSpPr>
+        <p:cNvPr id="1" name=""/>
+        <p:cNvGrpSpPr/>
+        <p:nvPr/>
+      </p:nvGrpSpPr>
+      <p:grpSpPr>
+        <a:xfrm>
+          <a:off x="0" y="0"/>
+          <a:ext cx="0" cy="0"/>
+          <a:chOff x="0" y="0"/>
+          <a:chExt cx="0" cy="0"/>
+        </a:xfrm>
+      </p:grpSpPr>
+      <p:sp>
+        <p:nvSpPr>
+          <p:cNvPr id="2" name="Title 1">
+            <a:extLst>
+              <a:ext uri="{FF2B5EF4-FFF2-40B4-BE49-F238E27FC236}">
+                <a16:creationId xmlns:a16="http://schemas.microsoft.com/office/drawing/2014/main" id="{5CCAED8C-E124-43AE-BC27-C154FE5BB151}"/>
+              </a:ext>
+            </a:extLst>
+          </p:cNvPr>
+          <p:cNvSpPr>
+            <a:spLocks noGrp="1"/>
+          </p:cNvSpPr>
+          <p:nvPr>
+            <p:ph type="title"/>
+          </p:nvPr>
+        </p:nvSpPr>
+        <p:spPr/>
+        <p:txBody>
+          <a:bodyPr/>
+          <a:lstStyle/>
+          <a:p>
+            <a:pPr algn="l"/>
+            <a:r>
+              <a:rPr lang="en-IN" dirty="0">
+                <a:latin typeface="Chalkboard SE" panose="03050602040202020205" pitchFamily="66" charset="0"/>
+              </a:rPr>
+              <a:t>Results:</a:t>
+            </a:r>
+          </a:p>
+        </p:txBody>
+      </p:sp>
+      <p:sp>
+        <p:nvSpPr>
+          <p:cNvPr id="3" name="Text Placeholder 2">
+            <a:extLst>
+              <a:ext uri="{FF2B5EF4-FFF2-40B4-BE49-F238E27FC236}">
+                <a16:creationId xmlns:a16="http://schemas.microsoft.com/office/drawing/2014/main" id="{65F22EBF-BDEF-4381-9775-21BCC0AC552D}"/>
+              </a:ext>
+            </a:extLst>
+          </p:cNvPr>
+          <p:cNvSpPr>
+            <a:spLocks noGrp="1"/>
+          </p:cNvSpPr>
+          <p:nvPr>
+            <p:ph type="body" sz="quarter" idx="35"/>
+          </p:nvPr>
+        </p:nvSpPr>
+        <p:spPr>
+          <a:xfrm>
+            <a:off x="467544" y="1063228"/>
+            <a:ext cx="8208912" cy="3338911"/>
+          </a:xfrm>
+        </p:spPr>
+        <p:txBody>
+          <a:bodyPr/>
+          <a:lstStyle/>
+          <a:p>
+            <a:pPr algn="l"/>
+            <a:r>
+              <a:rPr lang="en-IN" sz="2000" dirty="0">
+                <a:solidFill>
+                  <a:schemeClr val="tx1">
+                    <a:lumMod val="50000"/>
+                  </a:schemeClr>
+                </a:solidFill>
+                <a:latin typeface="Chalkboard SE" panose="03050602040202020205" pitchFamily="66" charset="0"/>
+              </a:rPr>
+              <a:t>Input       -   </a:t>
+            </a:r>
+            <a:r>
+              <a:rPr lang="en-IN" sz="1800" dirty="0">
+                <a:solidFill>
+                  <a:schemeClr val="tx1">
+                    <a:lumMod val="50000"/>
+                  </a:schemeClr>
+                </a:solidFill>
+                <a:latin typeface="Chalkboard SE" panose="03050602040202020205" pitchFamily="66" charset="0"/>
+              </a:rPr>
+              <a:t>Breast-cancer-Wisconsin</a:t>
+            </a:r>
+          </a:p>
+          <a:p>
+            <a:pPr algn="l"/>
+            <a:r>
+              <a:rPr lang="en-IN" sz="1800" dirty="0">
+                <a:solidFill>
+                  <a:schemeClr val="tx1">
+                    <a:lumMod val="50000"/>
+                  </a:schemeClr>
+                </a:solidFill>
+                <a:latin typeface="Chalkboard SE" panose="03050602040202020205" pitchFamily="66" charset="0"/>
+              </a:rPr>
+              <a:t>Split ratio   -   0.67 (67% of the data is for training the ML model)</a:t>
+            </a:r>
+          </a:p>
+          <a:p>
+            <a:pPr algn="l"/>
+            <a:endParaRPr lang="en-IN" sz="1800" dirty="0">
+              <a:solidFill>
+                <a:schemeClr val="tx1">
+                  <a:lumMod val="50000"/>
+                </a:schemeClr>
+              </a:solidFill>
+              <a:latin typeface="Chalkboard SE" panose="03050602040202020205" pitchFamily="66" charset="0"/>
+            </a:endParaRPr>
+          </a:p>
+          <a:p>
+            <a:pPr algn="l"/>
+            <a:r>
+              <a:rPr lang="en-IN" sz="1800" dirty="0">
+                <a:solidFill>
+                  <a:schemeClr val="tx1">
+                    <a:lumMod val="50000"/>
+                  </a:schemeClr>
+                </a:solidFill>
+                <a:latin typeface="Chalkboard SE" panose="03050602040202020205" pitchFamily="66" charset="0"/>
+              </a:rPr>
+              <a:t>Output       </a:t>
+            </a:r>
+            <a:r>
+              <a:rPr lang="en-IN" sz="1800" dirty="0">
+                <a:latin typeface="Chalkboard SE" panose="03050602040202020205" pitchFamily="66" charset="0"/>
+              </a:rPr>
+              <a:t>-  </a:t>
+            </a:r>
+            <a:endParaRPr lang="en-IN" sz="2000" dirty="0">
+              <a:latin typeface="Chalkboard SE" panose="03050602040202020205" pitchFamily="66" charset="0"/>
+            </a:endParaRPr>
+          </a:p>
+        </p:txBody>
+      </p:sp>
+      <p:sp>
+        <p:nvSpPr>
+          <p:cNvPr id="4" name="TextBox 3">
+            <a:extLst>
+              <a:ext uri="{FF2B5EF4-FFF2-40B4-BE49-F238E27FC236}">
+                <a16:creationId xmlns:a16="http://schemas.microsoft.com/office/drawing/2014/main" id="{D3289948-4F43-4DA8-AB24-FE62F395B9ED}"/>
+              </a:ext>
+            </a:extLst>
+          </p:cNvPr>
+          <p:cNvSpPr txBox="1"/>
+          <p:nvPr/>
+        </p:nvSpPr>
+        <p:spPr>
+          <a:xfrm>
+            <a:off x="8820472" y="2571750"/>
+            <a:ext cx="144016" cy="369332"/>
+          </a:xfrm>
+          <a:prstGeom prst="rect">
+            <a:avLst/>
+          </a:prstGeom>
+          <a:solidFill>
+            <a:schemeClr val="bg1"/>
+          </a:solidFill>
+        </p:spPr>
+        <p:txBody>
+          <a:bodyPr wrap="square" rtlCol="0">
+            <a:spAutoFit/>
+          </a:bodyPr>
+          <a:lstStyle/>
+          <a:p>
+            <a:endParaRPr lang="en-IN" dirty="0"/>
+          </a:p>
+        </p:txBody>
+      </p:sp>
+      <p:pic>
+        <p:nvPicPr>
+          <p:cNvPr id="12" name="Picture 11">
+            <a:extLst>
+              <a:ext uri="{FF2B5EF4-FFF2-40B4-BE49-F238E27FC236}">
+                <a16:creationId xmlns:a16="http://schemas.microsoft.com/office/drawing/2014/main" id="{DF1F6CB3-D917-41C7-B25F-9DDF6D543D84}"/>
+              </a:ext>
+            </a:extLst>
+          </p:cNvPr>
+          <p:cNvPicPr>
+            <a:picLocks noChangeAspect="1"/>
+          </p:cNvPicPr>
+          <p:nvPr/>
+        </p:nvPicPr>
+        <p:blipFill>
+          <a:blip r:embed="rId2">
+            <a:extLst>
+              <a:ext uri="{BEBA8EAE-BF5A-486C-A8C5-ECC9F3942E4B}">
+                <a14:imgProps xmlns:a14="http://schemas.microsoft.com/office/drawing/2010/main">
+                  <a14:imgLayer r:embed="rId3">
+                    <a14:imgEffect>
+                      <a14:artisticPhotocopy/>
+                    </a14:imgEffect>
+                  </a14:imgLayer>
+                </a14:imgProps>
+              </a:ext>
+            </a:extLst>
+          </a:blip>
+          <a:stretch>
+            <a:fillRect/>
+          </a:stretch>
+        </p:blipFill>
+        <p:spPr>
+          <a:xfrm>
+            <a:off x="2267743" y="2228450"/>
+            <a:ext cx="6322243" cy="2143500"/>
+          </a:xfrm>
+          <a:prstGeom prst="rect">
+            <a:avLst/>
+          </a:prstGeom>
+        </p:spPr>
+      </p:pic>
+      <p:sp>
+        <p:nvSpPr>
+          <p:cNvPr id="10" name="TextBox 9">
+            <a:extLst>
+              <a:ext uri="{FF2B5EF4-FFF2-40B4-BE49-F238E27FC236}">
+                <a16:creationId xmlns:a16="http://schemas.microsoft.com/office/drawing/2014/main" id="{1D781DF3-8F86-4A01-8135-AFDA72F33805}"/>
+              </a:ext>
+            </a:extLst>
+          </p:cNvPr>
+          <p:cNvSpPr txBox="1"/>
+          <p:nvPr/>
+        </p:nvSpPr>
+        <p:spPr>
+          <a:xfrm>
+            <a:off x="8820472" y="2496135"/>
+            <a:ext cx="144016" cy="369332"/>
+          </a:xfrm>
+          <a:prstGeom prst="rect">
+            <a:avLst/>
+          </a:prstGeom>
+          <a:solidFill>
+            <a:schemeClr val="bg1"/>
+          </a:solidFill>
+        </p:spPr>
+        <p:txBody>
+          <a:bodyPr wrap="square" rtlCol="0">
+            <a:spAutoFit/>
+          </a:bodyPr>
+          <a:lstStyle/>
+          <a:p>
+            <a:endParaRPr lang="en-IN" dirty="0"/>
+          </a:p>
+        </p:txBody>
+      </p:sp>
+    </p:spTree>
+    <p:extLst>
+      <p:ext uri="{BB962C8B-B14F-4D97-AF65-F5344CB8AC3E}">
+        <p14:creationId xmlns:p14="http://schemas.microsoft.com/office/powerpoint/2010/main" val="3524020149"/>
       </p:ext>
     </p:extLst>
   </p:cSld>
